--- a/Finding Similar Type of Names.pptx
+++ b/Finding Similar Type of Names.pptx
@@ -6484,7 +6484,7 @@
                   </a:schemeClr>
                 </a:solidFill>
               </a:rPr>
-              <a:t>Case1 : </a:t>
+              <a:t>Case2 : </a:t>
             </a:r>
             <a:r>
               <a:rPr lang="en-US" sz="2400" b="1" dirty="0" err="1">
